--- a/135/slides/ch04/repetition_statement.pptx
+++ b/135/slides/ch04/repetition_statement.pptx
@@ -239,7 +239,7 @@
           <a:p>
             <a:fld id="{0DDCD1ED-D14F-4FAD-B02C-EB6F8F0ECA02}" type="datetimeFigureOut">
               <a:rPr lang="en-US" smtClean="0"/>
-              <a:t>9/10/20</a:t>
+              <a:t>9/9/21</a:t>
             </a:fld>
             <a:endParaRPr lang="en-US"/>
           </a:p>
@@ -1485,7 +1485,7 @@
           <a:p>
             <a:fld id="{E7F5BCFF-A21D-463D-9B0A-F4783820C2DD}" type="datetimeFigureOut">
               <a:rPr lang="en-US" smtClean="0"/>
-              <a:t>9/10/20</a:t>
+              <a:t>9/9/21</a:t>
             </a:fld>
             <a:endParaRPr lang="en-US"/>
           </a:p>
@@ -1653,7 +1653,7 @@
           <a:p>
             <a:fld id="{E7F5BCFF-A21D-463D-9B0A-F4783820C2DD}" type="datetimeFigureOut">
               <a:rPr lang="en-US" smtClean="0"/>
-              <a:t>9/10/20</a:t>
+              <a:t>9/9/21</a:t>
             </a:fld>
             <a:endParaRPr lang="en-US"/>
           </a:p>
@@ -1831,7 +1831,7 @@
           <a:p>
             <a:fld id="{E7F5BCFF-A21D-463D-9B0A-F4783820C2DD}" type="datetimeFigureOut">
               <a:rPr lang="en-US" smtClean="0"/>
-              <a:t>9/10/20</a:t>
+              <a:t>9/9/21</a:t>
             </a:fld>
             <a:endParaRPr lang="en-US"/>
           </a:p>
@@ -1999,7 +1999,7 @@
           <a:p>
             <a:fld id="{E7F5BCFF-A21D-463D-9B0A-F4783820C2DD}" type="datetimeFigureOut">
               <a:rPr lang="en-US" smtClean="0"/>
-              <a:t>9/10/20</a:t>
+              <a:t>9/9/21</a:t>
             </a:fld>
             <a:endParaRPr lang="en-US"/>
           </a:p>
@@ -2244,7 +2244,7 @@
           <a:p>
             <a:fld id="{E7F5BCFF-A21D-463D-9B0A-F4783820C2DD}" type="datetimeFigureOut">
               <a:rPr lang="en-US" smtClean="0"/>
-              <a:t>9/10/20</a:t>
+              <a:t>9/9/21</a:t>
             </a:fld>
             <a:endParaRPr lang="en-US"/>
           </a:p>
@@ -2529,7 +2529,7 @@
           <a:p>
             <a:fld id="{E7F5BCFF-A21D-463D-9B0A-F4783820C2DD}" type="datetimeFigureOut">
               <a:rPr lang="en-US" smtClean="0"/>
-              <a:t>9/10/20</a:t>
+              <a:t>9/9/21</a:t>
             </a:fld>
             <a:endParaRPr lang="en-US"/>
           </a:p>
@@ -2948,7 +2948,7 @@
           <a:p>
             <a:fld id="{E7F5BCFF-A21D-463D-9B0A-F4783820C2DD}" type="datetimeFigureOut">
               <a:rPr lang="en-US" smtClean="0"/>
-              <a:t>9/10/20</a:t>
+              <a:t>9/9/21</a:t>
             </a:fld>
             <a:endParaRPr lang="en-US"/>
           </a:p>
@@ -3065,7 +3065,7 @@
           <a:p>
             <a:fld id="{E7F5BCFF-A21D-463D-9B0A-F4783820C2DD}" type="datetimeFigureOut">
               <a:rPr lang="en-US" smtClean="0"/>
-              <a:t>9/10/20</a:t>
+              <a:t>9/9/21</a:t>
             </a:fld>
             <a:endParaRPr lang="en-US"/>
           </a:p>
@@ -3160,7 +3160,7 @@
           <a:p>
             <a:fld id="{E7F5BCFF-A21D-463D-9B0A-F4783820C2DD}" type="datetimeFigureOut">
               <a:rPr lang="en-US" smtClean="0"/>
-              <a:t>9/10/20</a:t>
+              <a:t>9/9/21</a:t>
             </a:fld>
             <a:endParaRPr lang="en-US"/>
           </a:p>
@@ -3435,7 +3435,7 @@
           <a:p>
             <a:fld id="{E7F5BCFF-A21D-463D-9B0A-F4783820C2DD}" type="datetimeFigureOut">
               <a:rPr lang="en-US" smtClean="0"/>
-              <a:t>9/10/20</a:t>
+              <a:t>9/9/21</a:t>
             </a:fld>
             <a:endParaRPr lang="en-US"/>
           </a:p>
@@ -3687,7 +3687,7 @@
           <a:p>
             <a:fld id="{E7F5BCFF-A21D-463D-9B0A-F4783820C2DD}" type="datetimeFigureOut">
               <a:rPr lang="en-US" smtClean="0"/>
-              <a:t>9/10/20</a:t>
+              <a:t>9/9/21</a:t>
             </a:fld>
             <a:endParaRPr lang="en-US"/>
           </a:p>
@@ -3898,7 +3898,7 @@
           <a:p>
             <a:fld id="{E7F5BCFF-A21D-463D-9B0A-F4783820C2DD}" type="datetimeFigureOut">
               <a:rPr lang="en-US" smtClean="0"/>
-              <a:t>9/10/20</a:t>
+              <a:t>9/9/21</a:t>
             </a:fld>
             <a:endParaRPr lang="en-US"/>
           </a:p>
@@ -14997,13 +14997,13 @@
         </p:nvSpPr>
         <p:spPr>
           <a:xfrm>
-            <a:off x="1485900" y="1943101"/>
-            <a:ext cx="6172200" cy="3508772"/>
+            <a:off x="1485900" y="1417638"/>
+            <a:ext cx="6172200" cy="4034235"/>
           </a:xfrm>
         </p:spPr>
         <p:txBody>
           <a:bodyPr>
-            <a:normAutofit fontScale="92500" lnSpcReduction="20000"/>
+            <a:normAutofit/>
           </a:bodyPr>
           <a:lstStyle/>
           <a:p>
@@ -15039,12 +15039,9 @@
             <a:endParaRPr lang="en-US" dirty="0"/>
           </a:p>
           <a:p>
-            <a:endParaRPr lang="en-US" dirty="0"/>
-          </a:p>
-          <a:p>
             <a:r>
               <a:rPr lang="en-US" dirty="0"/>
-              <a:t>While statement: the statements may run </a:t>
+              <a:t>while statement: the statements may run </a:t>
             </a:r>
             <a:r>
               <a:rPr lang="en-US" dirty="0">
@@ -15084,7 +15081,7 @@
         </p:blipFill>
         <p:spPr bwMode="auto">
           <a:xfrm>
-            <a:off x="1807161" y="2800350"/>
+            <a:off x="1890558" y="2840037"/>
             <a:ext cx="5750719" cy="1071563"/>
           </a:xfrm>
           <a:prstGeom prst="rect">
@@ -15138,7 +15135,7 @@
         </p:blipFill>
         <p:spPr bwMode="auto">
           <a:xfrm>
-            <a:off x="5029200" y="4457701"/>
+            <a:off x="1890558" y="5304311"/>
             <a:ext cx="2171700" cy="1035844"/>
           </a:xfrm>
           <a:prstGeom prst="rect">
